--- a/RWorkshopBonus-SimulationForPower.pptx
+++ b/RWorkshopBonus-SimulationForPower.pptx
@@ -225,7 +225,7 @@
           <a:p>
             <a:fld id="{538792E7-FD02-444D-98EB-904287DD5D64}" type="datetimeFigureOut">
               <a:rPr lang="en-US" smtClean="0"/>
-              <a:t>1/7/21</a:t>
+              <a:t>5/3/21</a:t>
             </a:fld>
             <a:endParaRPr lang="en-US"/>
           </a:p>
@@ -391,7 +391,7 @@
           <a:p>
             <a:fld id="{9D559F19-48A4-4320-AEB0-F8746EB4B46C}" type="datetimeFigureOut">
               <a:rPr lang="en-US" smtClean="0"/>
-              <a:t>1/7/21</a:t>
+              <a:t>5/3/21</a:t>
             </a:fld>
             <a:endParaRPr lang="en-US"/>
           </a:p>
@@ -838,7 +838,7 @@
           <a:p>
             <a:fld id="{B85D0F99-2B73-D44A-BFD7-568E87432832}" type="datetime1">
               <a:rPr lang="en-US" smtClean="0"/>
-              <a:t>1/7/21</a:t>
+              <a:t>5/3/21</a:t>
             </a:fld>
             <a:endParaRPr lang="en-US"/>
           </a:p>
@@ -1006,7 +1006,7 @@
           <a:p>
             <a:fld id="{08D84F97-D933-494A-8066-987F64E94EB0}" type="datetime1">
               <a:rPr lang="en-US" smtClean="0"/>
-              <a:t>1/7/21</a:t>
+              <a:t>5/3/21</a:t>
             </a:fld>
             <a:endParaRPr lang="en-US"/>
           </a:p>
@@ -1184,7 +1184,7 @@
           <a:p>
             <a:fld id="{43D4ED65-347A-544C-B252-FFB61369C75C}" type="datetime1">
               <a:rPr lang="en-US" smtClean="0"/>
-              <a:t>1/7/21</a:t>
+              <a:t>5/3/21</a:t>
             </a:fld>
             <a:endParaRPr lang="en-US"/>
           </a:p>
@@ -1352,7 +1352,7 @@
           <a:p>
             <a:fld id="{7580FBDC-27FE-2246-A6BD-27E29FC41690}" type="datetime1">
               <a:rPr lang="en-US" smtClean="0"/>
-              <a:t>1/7/21</a:t>
+              <a:t>5/3/21</a:t>
             </a:fld>
             <a:endParaRPr lang="en-US"/>
           </a:p>
@@ -1608,7 +1608,7 @@
           <a:p>
             <a:fld id="{A3085202-158B-1648-823E-AE57EB968243}" type="datetime1">
               <a:rPr lang="en-US" smtClean="0"/>
-              <a:t>1/7/21</a:t>
+              <a:t>5/3/21</a:t>
             </a:fld>
             <a:endParaRPr lang="en-US"/>
           </a:p>
@@ -1893,7 +1893,7 @@
           <a:p>
             <a:fld id="{26266243-15FF-1E48-B623-320FA07824B2}" type="datetime1">
               <a:rPr lang="en-US" smtClean="0"/>
-              <a:t>1/7/21</a:t>
+              <a:t>5/3/21</a:t>
             </a:fld>
             <a:endParaRPr lang="en-US"/>
           </a:p>
@@ -2312,7 +2312,7 @@
           <a:p>
             <a:fld id="{011E066B-8219-F64F-B8C2-53A3B89B4A85}" type="datetime1">
               <a:rPr lang="en-US" smtClean="0"/>
-              <a:t>1/7/21</a:t>
+              <a:t>5/3/21</a:t>
             </a:fld>
             <a:endParaRPr lang="en-US"/>
           </a:p>
@@ -2429,7 +2429,7 @@
           <a:p>
             <a:fld id="{A647D7BC-6ED1-5643-8901-5A74D745B5F6}" type="datetime1">
               <a:rPr lang="en-US" smtClean="0"/>
-              <a:t>1/7/21</a:t>
+              <a:t>5/3/21</a:t>
             </a:fld>
             <a:endParaRPr lang="en-US"/>
           </a:p>
@@ -2524,7 +2524,7 @@
           <a:p>
             <a:fld id="{9D749149-7531-A94B-BF64-9F90465D006E}" type="datetime1">
               <a:rPr lang="en-US" smtClean="0"/>
-              <a:t>1/7/21</a:t>
+              <a:t>5/3/21</a:t>
             </a:fld>
             <a:endParaRPr lang="en-US"/>
           </a:p>
@@ -2799,7 +2799,7 @@
           <a:p>
             <a:fld id="{3DCADEC6-74E3-5A45-956D-36673A0B0B6F}" type="datetime1">
               <a:rPr lang="en-US" smtClean="0"/>
-              <a:t>1/7/21</a:t>
+              <a:t>5/3/21</a:t>
             </a:fld>
             <a:endParaRPr lang="en-US"/>
           </a:p>
@@ -3051,7 +3051,7 @@
           <a:p>
             <a:fld id="{E8837371-C5DD-DB40-BAF9-B253BC12B671}" type="datetime1">
               <a:rPr lang="en-US" smtClean="0"/>
-              <a:t>1/7/21</a:t>
+              <a:t>5/3/21</a:t>
             </a:fld>
             <a:endParaRPr lang="en-US"/>
           </a:p>
@@ -3262,7 +3262,7 @@
           <a:p>
             <a:fld id="{61AE1620-0FA7-334D-A30B-254236132EE6}" type="datetime1">
               <a:rPr lang="en-US" smtClean="0"/>
-              <a:t>1/7/21</a:t>
+              <a:t>5/3/21</a:t>
             </a:fld>
             <a:endParaRPr lang="en-US"/>
           </a:p>
@@ -3697,9 +3697,10 @@
           </a:p>
           <a:p>
             <a:r>
-              <a:rPr lang="en-US" dirty="0"/>
-              <a:t>SER 2020</a:t>
-            </a:r>
+              <a:rPr lang="en-US"/>
+              <a:t>SER 2021</a:t>
+            </a:r>
+            <a:endParaRPr lang="en-US" dirty="0"/>
           </a:p>
         </p:txBody>
       </p:sp>
@@ -3761,14 +3762,14 @@
           </a:ln>
           <a:extLst>
             <a:ext uri="{909E8E84-426E-40dd-AFC4-6F175D3DCCD1}">
-              <a14:hiddenFill xmlns:a14="http://schemas.microsoft.com/office/drawing/2010/main" xmlns="">
+              <a14:hiddenFill xmlns="" xmlns:a14="http://schemas.microsoft.com/office/drawing/2010/main">
                 <a:solidFill>
                   <a:schemeClr val="accent1"/>
                 </a:solidFill>
               </a14:hiddenFill>
             </a:ext>
             <a:ext uri="{91240B29-F687-4f45-9708-019B960494DF}">
-              <a14:hiddenLine xmlns:a14="http://schemas.microsoft.com/office/drawing/2010/main" xmlns="" w="9525">
+              <a14:hiddenLine xmlns="" xmlns:a14="http://schemas.microsoft.com/office/drawing/2010/main" w="9525">
                 <a:solidFill>
                   <a:schemeClr val="tx1"/>
                 </a:solidFill>
@@ -3815,14 +3816,14 @@
           </a:ln>
           <a:extLst>
             <a:ext uri="{909E8E84-426E-40dd-AFC4-6F175D3DCCD1}">
-              <a14:hiddenFill xmlns:a14="http://schemas.microsoft.com/office/drawing/2010/main" xmlns="">
+              <a14:hiddenFill xmlns="" xmlns:a14="http://schemas.microsoft.com/office/drawing/2010/main">
                 <a:solidFill>
                   <a:schemeClr val="accent1"/>
                 </a:solidFill>
               </a14:hiddenFill>
             </a:ext>
             <a:ext uri="{91240B29-F687-4f45-9708-019B960494DF}">
-              <a14:hiddenLine xmlns:a14="http://schemas.microsoft.com/office/drawing/2010/main" xmlns="" w="9525">
+              <a14:hiddenLine xmlns="" xmlns:a14="http://schemas.microsoft.com/office/drawing/2010/main" w="9525">
                 <a:solidFill>
                   <a:schemeClr val="tx1"/>
                 </a:solidFill>
